--- a/Project 1/SQL Project Submission.pptx
+++ b/Project 1/SQL Project Submission.pptx
@@ -6682,7 +6682,7 @@
                 <a:cs typeface="Open Sans"/>
                 <a:sym typeface="Open Sans"/>
               </a:rPr>
-              <a:t>Store 1 always has more rental numbers than store 2</a:t>
+              <a:t>Store 1 and store 2 have not much difference in rental numbers in the same month of the years</a:t>
             </a:r>
             <a:endParaRPr>
               <a:latin typeface="Open Sans"/>
@@ -6796,7 +6796,7 @@
                 <a:cs typeface="Open Sans"/>
                 <a:sym typeface="Open Sans"/>
               </a:rPr>
-              <a:t>Compare the rental numbers of any two stores in the same month of the year?</a:t>
+              <a:t>Compare the rental numbers of any two stores in the same month of the years?</a:t>
             </a:r>
             <a:endParaRPr sz="1800">
               <a:solidFill>
@@ -6812,10 +6812,10 @@
       </p:sp>
       <p:pic>
         <p:nvPicPr>
-          <p:cNvPr id="4" name="Picture 3">
+          <p:cNvPr id="3" name="Picture 2">
             <a:extLst>
               <a:ext uri="{FF2B5EF4-FFF2-40B4-BE49-F238E27FC236}">
-                <a16:creationId xmlns:a16="http://schemas.microsoft.com/office/drawing/2014/main" id="{ABA581F3-E93F-15C5-10E5-A3CE08062E2F}"/>
+                <a16:creationId xmlns:a16="http://schemas.microsoft.com/office/drawing/2014/main" id="{D03A31BB-6388-CAB2-401D-DCE481FD5615}"/>
               </a:ext>
             </a:extLst>
           </p:cNvPr>
@@ -6832,8 +6832,8 @@
         </p:blipFill>
         <p:spPr>
           <a:xfrm>
-            <a:off x="415989" y="1837551"/>
-            <a:ext cx="4427321" cy="2559189"/>
+            <a:off x="419445" y="1879282"/>
+            <a:ext cx="4420410" cy="2413565"/>
           </a:xfrm>
           <a:prstGeom prst="rect">
             <a:avLst/>
